--- a/ppt 16-9/0689.求主赐下焚烧.pptx
+++ b/ppt 16-9/0689.求主赐下焚烧.pptx
@@ -129,7 +129,7 @@
           <p:cNvPr id="2" name="标题 1">
             <a:extLst>
               <a:ext uri="{FF2B5EF4-FFF2-40B4-BE49-F238E27FC236}">
-                <a16:creationId xmlns:a16="http://schemas.microsoft.com/office/drawing/2014/main" id="{D2FD413C-549B-EE74-16BA-B1A4BAE88EB2}"/>
+                <a16:creationId xmlns:a16="http://schemas.microsoft.com/office/drawing/2014/main" id="{9B9930A7-A5CA-F106-1266-F7A6C5B5335E}"/>
               </a:ext>
             </a:extLst>
           </p:cNvPr>
@@ -166,7 +166,7 @@
           <p:cNvPr id="3" name="副标题 2">
             <a:extLst>
               <a:ext uri="{FF2B5EF4-FFF2-40B4-BE49-F238E27FC236}">
-                <a16:creationId xmlns:a16="http://schemas.microsoft.com/office/drawing/2014/main" id="{F830A240-F786-3919-1949-64FA7E974FDB}"/>
+                <a16:creationId xmlns:a16="http://schemas.microsoft.com/office/drawing/2014/main" id="{2F3FEEF9-B820-FD89-6B82-B5B8E3F6E2CF}"/>
               </a:ext>
             </a:extLst>
           </p:cNvPr>
@@ -236,7 +236,7 @@
           <p:cNvPr id="4" name="日期占位符 3">
             <a:extLst>
               <a:ext uri="{FF2B5EF4-FFF2-40B4-BE49-F238E27FC236}">
-                <a16:creationId xmlns:a16="http://schemas.microsoft.com/office/drawing/2014/main" id="{8A0F100A-EAFC-836E-2FF2-7AB5F8129483}"/>
+                <a16:creationId xmlns:a16="http://schemas.microsoft.com/office/drawing/2014/main" id="{4A2C2013-B104-E411-9103-82184FF1D193}"/>
               </a:ext>
             </a:extLst>
           </p:cNvPr>
@@ -252,7 +252,7 @@
           <a:bodyPr/>
           <a:lstStyle/>
           <a:p>
-            <a:fld id="{DC507946-410B-43FD-932E-DE82228E2367}" type="datetimeFigureOut">
+            <a:fld id="{CD799F4F-642F-409C-BBA6-ECE74249CD8F}" type="datetimeFigureOut">
               <a:rPr lang="zh-CN" altLang="en-US" smtClean="0"/>
               <a:t>2024/3/10</a:t>
             </a:fld>
@@ -265,7 +265,7 @@
           <p:cNvPr id="5" name="页脚占位符 4">
             <a:extLst>
               <a:ext uri="{FF2B5EF4-FFF2-40B4-BE49-F238E27FC236}">
-                <a16:creationId xmlns:a16="http://schemas.microsoft.com/office/drawing/2014/main" id="{57A84B16-EF9F-8363-1461-F582AB1BF8B0}"/>
+                <a16:creationId xmlns:a16="http://schemas.microsoft.com/office/drawing/2014/main" id="{897201A7-770A-C8F7-8251-2AE369972A92}"/>
               </a:ext>
             </a:extLst>
           </p:cNvPr>
@@ -290,7 +290,7 @@
           <p:cNvPr id="6" name="灯片编号占位符 5">
             <a:extLst>
               <a:ext uri="{FF2B5EF4-FFF2-40B4-BE49-F238E27FC236}">
-                <a16:creationId xmlns:a16="http://schemas.microsoft.com/office/drawing/2014/main" id="{12C3F21E-0DC9-7799-586B-713A5969B5D0}"/>
+                <a16:creationId xmlns:a16="http://schemas.microsoft.com/office/drawing/2014/main" id="{87AD5349-4970-4521-7625-95A9AB7FED99}"/>
               </a:ext>
             </a:extLst>
           </p:cNvPr>
@@ -306,7 +306,7 @@
           <a:bodyPr/>
           <a:lstStyle/>
           <a:p>
-            <a:fld id="{A61DDE1E-4C3B-4D59-9FEC-8728D5F53C1E}" type="slidenum">
+            <a:fld id="{6FF1264D-F81F-4C01-A269-B1807638C1E2}" type="slidenum">
               <a:rPr lang="zh-CN" altLang="en-US" smtClean="0"/>
               <a:t>‹#›</a:t>
             </a:fld>
@@ -317,7 +317,7 @@
     </p:spTree>
     <p:extLst>
       <p:ext uri="{BB962C8B-B14F-4D97-AF65-F5344CB8AC3E}">
-        <p14:creationId xmlns:p14="http://schemas.microsoft.com/office/powerpoint/2010/main" val="492748470"/>
+        <p14:creationId xmlns:p14="http://schemas.microsoft.com/office/powerpoint/2010/main" val="1574995232"/>
       </p:ext>
     </p:extLst>
   </p:cSld>
@@ -349,7 +349,7 @@
           <p:cNvPr id="2" name="标题 1">
             <a:extLst>
               <a:ext uri="{FF2B5EF4-FFF2-40B4-BE49-F238E27FC236}">
-                <a16:creationId xmlns:a16="http://schemas.microsoft.com/office/drawing/2014/main" id="{F7BC9B0F-047A-0C22-BE2E-3ED6777275EB}"/>
+                <a16:creationId xmlns:a16="http://schemas.microsoft.com/office/drawing/2014/main" id="{2ABAD6A4-8894-1D90-C996-C496625D306A}"/>
               </a:ext>
             </a:extLst>
           </p:cNvPr>
@@ -377,7 +377,7 @@
           <p:cNvPr id="3" name="竖排文字占位符 2">
             <a:extLst>
               <a:ext uri="{FF2B5EF4-FFF2-40B4-BE49-F238E27FC236}">
-                <a16:creationId xmlns:a16="http://schemas.microsoft.com/office/drawing/2014/main" id="{390C7FFE-28CF-65B4-E718-B460E8F87FD0}"/>
+                <a16:creationId xmlns:a16="http://schemas.microsoft.com/office/drawing/2014/main" id="{8E335512-7751-2348-CDB9-99ED5C0CCEC3}"/>
               </a:ext>
             </a:extLst>
           </p:cNvPr>
@@ -434,7 +434,7 @@
           <p:cNvPr id="4" name="日期占位符 3">
             <a:extLst>
               <a:ext uri="{FF2B5EF4-FFF2-40B4-BE49-F238E27FC236}">
-                <a16:creationId xmlns:a16="http://schemas.microsoft.com/office/drawing/2014/main" id="{F031CCE6-FDE4-CEC5-8532-049756FF068B}"/>
+                <a16:creationId xmlns:a16="http://schemas.microsoft.com/office/drawing/2014/main" id="{267B5E5C-44A4-D057-73EC-BFEB74E5E8A3}"/>
               </a:ext>
             </a:extLst>
           </p:cNvPr>
@@ -450,7 +450,7 @@
           <a:bodyPr/>
           <a:lstStyle/>
           <a:p>
-            <a:fld id="{DC507946-410B-43FD-932E-DE82228E2367}" type="datetimeFigureOut">
+            <a:fld id="{CD799F4F-642F-409C-BBA6-ECE74249CD8F}" type="datetimeFigureOut">
               <a:rPr lang="zh-CN" altLang="en-US" smtClean="0"/>
               <a:t>2024/3/10</a:t>
             </a:fld>
@@ -463,7 +463,7 @@
           <p:cNvPr id="5" name="页脚占位符 4">
             <a:extLst>
               <a:ext uri="{FF2B5EF4-FFF2-40B4-BE49-F238E27FC236}">
-                <a16:creationId xmlns:a16="http://schemas.microsoft.com/office/drawing/2014/main" id="{3B63D80E-D9B0-C8F6-1706-4B439BE20861}"/>
+                <a16:creationId xmlns:a16="http://schemas.microsoft.com/office/drawing/2014/main" id="{25498B1D-77BC-E361-DFD6-25CC697A649A}"/>
               </a:ext>
             </a:extLst>
           </p:cNvPr>
@@ -488,7 +488,7 @@
           <p:cNvPr id="6" name="灯片编号占位符 5">
             <a:extLst>
               <a:ext uri="{FF2B5EF4-FFF2-40B4-BE49-F238E27FC236}">
-                <a16:creationId xmlns:a16="http://schemas.microsoft.com/office/drawing/2014/main" id="{47EF3EB9-9387-59A7-1505-435213541027}"/>
+                <a16:creationId xmlns:a16="http://schemas.microsoft.com/office/drawing/2014/main" id="{76D4C779-747D-5066-C76C-86C69FC7A68E}"/>
               </a:ext>
             </a:extLst>
           </p:cNvPr>
@@ -504,7 +504,7 @@
           <a:bodyPr/>
           <a:lstStyle/>
           <a:p>
-            <a:fld id="{A61DDE1E-4C3B-4D59-9FEC-8728D5F53C1E}" type="slidenum">
+            <a:fld id="{6FF1264D-F81F-4C01-A269-B1807638C1E2}" type="slidenum">
               <a:rPr lang="zh-CN" altLang="en-US" smtClean="0"/>
               <a:t>‹#›</a:t>
             </a:fld>
@@ -515,7 +515,7 @@
     </p:spTree>
     <p:extLst>
       <p:ext uri="{BB962C8B-B14F-4D97-AF65-F5344CB8AC3E}">
-        <p14:creationId xmlns:p14="http://schemas.microsoft.com/office/powerpoint/2010/main" val="3671924981"/>
+        <p14:creationId xmlns:p14="http://schemas.microsoft.com/office/powerpoint/2010/main" val="5584720"/>
       </p:ext>
     </p:extLst>
   </p:cSld>
@@ -547,7 +547,7 @@
           <p:cNvPr id="2" name="竖排标题 1">
             <a:extLst>
               <a:ext uri="{FF2B5EF4-FFF2-40B4-BE49-F238E27FC236}">
-                <a16:creationId xmlns:a16="http://schemas.microsoft.com/office/drawing/2014/main" id="{84084E7F-00DE-2ADB-3DF4-962943EC4CB7}"/>
+                <a16:creationId xmlns:a16="http://schemas.microsoft.com/office/drawing/2014/main" id="{72A6263B-763A-59B9-75C7-D58AA5D4DEBA}"/>
               </a:ext>
             </a:extLst>
           </p:cNvPr>
@@ -580,7 +580,7 @@
           <p:cNvPr id="3" name="竖排文字占位符 2">
             <a:extLst>
               <a:ext uri="{FF2B5EF4-FFF2-40B4-BE49-F238E27FC236}">
-                <a16:creationId xmlns:a16="http://schemas.microsoft.com/office/drawing/2014/main" id="{54691ADB-67D8-2A01-523A-F920907E2BED}"/>
+                <a16:creationId xmlns:a16="http://schemas.microsoft.com/office/drawing/2014/main" id="{996644B2-A8D9-BF50-AC78-6C40EA6F64A9}"/>
               </a:ext>
             </a:extLst>
           </p:cNvPr>
@@ -642,7 +642,7 @@
           <p:cNvPr id="4" name="日期占位符 3">
             <a:extLst>
               <a:ext uri="{FF2B5EF4-FFF2-40B4-BE49-F238E27FC236}">
-                <a16:creationId xmlns:a16="http://schemas.microsoft.com/office/drawing/2014/main" id="{5ACD48BB-4153-6E6A-8E90-9D2E42BD077C}"/>
+                <a16:creationId xmlns:a16="http://schemas.microsoft.com/office/drawing/2014/main" id="{8236B33F-3CDC-B7E9-7822-D91863E343FB}"/>
               </a:ext>
             </a:extLst>
           </p:cNvPr>
@@ -658,7 +658,7 @@
           <a:bodyPr/>
           <a:lstStyle/>
           <a:p>
-            <a:fld id="{DC507946-410B-43FD-932E-DE82228E2367}" type="datetimeFigureOut">
+            <a:fld id="{CD799F4F-642F-409C-BBA6-ECE74249CD8F}" type="datetimeFigureOut">
               <a:rPr lang="zh-CN" altLang="en-US" smtClean="0"/>
               <a:t>2024/3/10</a:t>
             </a:fld>
@@ -671,7 +671,7 @@
           <p:cNvPr id="5" name="页脚占位符 4">
             <a:extLst>
               <a:ext uri="{FF2B5EF4-FFF2-40B4-BE49-F238E27FC236}">
-                <a16:creationId xmlns:a16="http://schemas.microsoft.com/office/drawing/2014/main" id="{8FB04EE1-F7ED-928D-FE00-FABDB6DA7A54}"/>
+                <a16:creationId xmlns:a16="http://schemas.microsoft.com/office/drawing/2014/main" id="{CE4B9F63-DF77-9C41-1721-7AA5F68D2276}"/>
               </a:ext>
             </a:extLst>
           </p:cNvPr>
@@ -696,7 +696,7 @@
           <p:cNvPr id="6" name="灯片编号占位符 5">
             <a:extLst>
               <a:ext uri="{FF2B5EF4-FFF2-40B4-BE49-F238E27FC236}">
-                <a16:creationId xmlns:a16="http://schemas.microsoft.com/office/drawing/2014/main" id="{3A940E9A-5C5B-FE45-07AF-088706687F18}"/>
+                <a16:creationId xmlns:a16="http://schemas.microsoft.com/office/drawing/2014/main" id="{56E8DCBC-1B2F-628C-ED4F-EAC529734428}"/>
               </a:ext>
             </a:extLst>
           </p:cNvPr>
@@ -712,7 +712,7 @@
           <a:bodyPr/>
           <a:lstStyle/>
           <a:p>
-            <a:fld id="{A61DDE1E-4C3B-4D59-9FEC-8728D5F53C1E}" type="slidenum">
+            <a:fld id="{6FF1264D-F81F-4C01-A269-B1807638C1E2}" type="slidenum">
               <a:rPr lang="zh-CN" altLang="en-US" smtClean="0"/>
               <a:t>‹#›</a:t>
             </a:fld>
@@ -723,7 +723,7 @@
     </p:spTree>
     <p:extLst>
       <p:ext uri="{BB962C8B-B14F-4D97-AF65-F5344CB8AC3E}">
-        <p14:creationId xmlns:p14="http://schemas.microsoft.com/office/powerpoint/2010/main" val="2613280799"/>
+        <p14:creationId xmlns:p14="http://schemas.microsoft.com/office/powerpoint/2010/main" val="3098287930"/>
       </p:ext>
     </p:extLst>
   </p:cSld>
@@ -755,7 +755,7 @@
           <p:cNvPr id="2" name="标题 1">
             <a:extLst>
               <a:ext uri="{FF2B5EF4-FFF2-40B4-BE49-F238E27FC236}">
-                <a16:creationId xmlns:a16="http://schemas.microsoft.com/office/drawing/2014/main" id="{273A592C-E050-6B31-0AD5-0D30ED4AE4C0}"/>
+                <a16:creationId xmlns:a16="http://schemas.microsoft.com/office/drawing/2014/main" id="{3CA79423-90B3-4E72-7B16-DB16E52A2749}"/>
               </a:ext>
             </a:extLst>
           </p:cNvPr>
@@ -783,7 +783,7 @@
           <p:cNvPr id="3" name="内容占位符 2">
             <a:extLst>
               <a:ext uri="{FF2B5EF4-FFF2-40B4-BE49-F238E27FC236}">
-                <a16:creationId xmlns:a16="http://schemas.microsoft.com/office/drawing/2014/main" id="{F2FF3CAF-A500-56DC-13E4-A3E072474F05}"/>
+                <a16:creationId xmlns:a16="http://schemas.microsoft.com/office/drawing/2014/main" id="{17D9C635-9A45-1914-1F6F-08EDA41A4D2A}"/>
               </a:ext>
             </a:extLst>
           </p:cNvPr>
@@ -840,7 +840,7 @@
           <p:cNvPr id="4" name="日期占位符 3">
             <a:extLst>
               <a:ext uri="{FF2B5EF4-FFF2-40B4-BE49-F238E27FC236}">
-                <a16:creationId xmlns:a16="http://schemas.microsoft.com/office/drawing/2014/main" id="{2E159106-09EE-40EC-35DE-591F55B88FB3}"/>
+                <a16:creationId xmlns:a16="http://schemas.microsoft.com/office/drawing/2014/main" id="{62B05AE8-F6EE-BC40-5ECD-09EA9902CFEC}"/>
               </a:ext>
             </a:extLst>
           </p:cNvPr>
@@ -856,7 +856,7 @@
           <a:bodyPr/>
           <a:lstStyle/>
           <a:p>
-            <a:fld id="{DC507946-410B-43FD-932E-DE82228E2367}" type="datetimeFigureOut">
+            <a:fld id="{CD799F4F-642F-409C-BBA6-ECE74249CD8F}" type="datetimeFigureOut">
               <a:rPr lang="zh-CN" altLang="en-US" smtClean="0"/>
               <a:t>2024/3/10</a:t>
             </a:fld>
@@ -869,7 +869,7 @@
           <p:cNvPr id="5" name="页脚占位符 4">
             <a:extLst>
               <a:ext uri="{FF2B5EF4-FFF2-40B4-BE49-F238E27FC236}">
-                <a16:creationId xmlns:a16="http://schemas.microsoft.com/office/drawing/2014/main" id="{B717493E-B6F8-71A6-7E57-F2CAB4DFEB4A}"/>
+                <a16:creationId xmlns:a16="http://schemas.microsoft.com/office/drawing/2014/main" id="{8B37B68C-93D1-A4BC-A4C7-E082F4AF673E}"/>
               </a:ext>
             </a:extLst>
           </p:cNvPr>
@@ -894,7 +894,7 @@
           <p:cNvPr id="6" name="灯片编号占位符 5">
             <a:extLst>
               <a:ext uri="{FF2B5EF4-FFF2-40B4-BE49-F238E27FC236}">
-                <a16:creationId xmlns:a16="http://schemas.microsoft.com/office/drawing/2014/main" id="{01A0AE2A-152E-227F-1147-5A87FE30D02D}"/>
+                <a16:creationId xmlns:a16="http://schemas.microsoft.com/office/drawing/2014/main" id="{AD2529F7-6926-C1A8-FF0E-2A0B00C5EEAA}"/>
               </a:ext>
             </a:extLst>
           </p:cNvPr>
@@ -910,7 +910,7 @@
           <a:bodyPr/>
           <a:lstStyle/>
           <a:p>
-            <a:fld id="{A61DDE1E-4C3B-4D59-9FEC-8728D5F53C1E}" type="slidenum">
+            <a:fld id="{6FF1264D-F81F-4C01-A269-B1807638C1E2}" type="slidenum">
               <a:rPr lang="zh-CN" altLang="en-US" smtClean="0"/>
               <a:t>‹#›</a:t>
             </a:fld>
@@ -921,7 +921,7 @@
     </p:spTree>
     <p:extLst>
       <p:ext uri="{BB962C8B-B14F-4D97-AF65-F5344CB8AC3E}">
-        <p14:creationId xmlns:p14="http://schemas.microsoft.com/office/powerpoint/2010/main" val="628106905"/>
+        <p14:creationId xmlns:p14="http://schemas.microsoft.com/office/powerpoint/2010/main" val="1121797155"/>
       </p:ext>
     </p:extLst>
   </p:cSld>
@@ -953,7 +953,7 @@
           <p:cNvPr id="2" name="标题 1">
             <a:extLst>
               <a:ext uri="{FF2B5EF4-FFF2-40B4-BE49-F238E27FC236}">
-                <a16:creationId xmlns:a16="http://schemas.microsoft.com/office/drawing/2014/main" id="{2E9A4239-A88A-1775-57C3-AF55F138B397}"/>
+                <a16:creationId xmlns:a16="http://schemas.microsoft.com/office/drawing/2014/main" id="{736D1E4B-775E-0A2D-439A-841D5A9FCD3B}"/>
               </a:ext>
             </a:extLst>
           </p:cNvPr>
@@ -990,7 +990,7 @@
           <p:cNvPr id="3" name="文本占位符 2">
             <a:extLst>
               <a:ext uri="{FF2B5EF4-FFF2-40B4-BE49-F238E27FC236}">
-                <a16:creationId xmlns:a16="http://schemas.microsoft.com/office/drawing/2014/main" id="{13B290FE-BE04-880D-8A1D-1E265E6CA2FE}"/>
+                <a16:creationId xmlns:a16="http://schemas.microsoft.com/office/drawing/2014/main" id="{B8999F43-5548-A834-CD2C-D0B3977C20BC}"/>
               </a:ext>
             </a:extLst>
           </p:cNvPr>
@@ -1115,7 +1115,7 @@
           <p:cNvPr id="4" name="日期占位符 3">
             <a:extLst>
               <a:ext uri="{FF2B5EF4-FFF2-40B4-BE49-F238E27FC236}">
-                <a16:creationId xmlns:a16="http://schemas.microsoft.com/office/drawing/2014/main" id="{71F49352-8C46-3AC3-CDD9-1A2A67A61D5E}"/>
+                <a16:creationId xmlns:a16="http://schemas.microsoft.com/office/drawing/2014/main" id="{3AAA81AF-7DEA-E572-C2A7-28E05AF68465}"/>
               </a:ext>
             </a:extLst>
           </p:cNvPr>
@@ -1131,7 +1131,7 @@
           <a:bodyPr/>
           <a:lstStyle/>
           <a:p>
-            <a:fld id="{DC507946-410B-43FD-932E-DE82228E2367}" type="datetimeFigureOut">
+            <a:fld id="{CD799F4F-642F-409C-BBA6-ECE74249CD8F}" type="datetimeFigureOut">
               <a:rPr lang="zh-CN" altLang="en-US" smtClean="0"/>
               <a:t>2024/3/10</a:t>
             </a:fld>
@@ -1144,7 +1144,7 @@
           <p:cNvPr id="5" name="页脚占位符 4">
             <a:extLst>
               <a:ext uri="{FF2B5EF4-FFF2-40B4-BE49-F238E27FC236}">
-                <a16:creationId xmlns:a16="http://schemas.microsoft.com/office/drawing/2014/main" id="{BED98EE7-EEC3-6260-3F64-E4276BDE3431}"/>
+                <a16:creationId xmlns:a16="http://schemas.microsoft.com/office/drawing/2014/main" id="{2C36D3D1-CEDA-7B05-38B7-3226120EF012}"/>
               </a:ext>
             </a:extLst>
           </p:cNvPr>
@@ -1169,7 +1169,7 @@
           <p:cNvPr id="6" name="灯片编号占位符 5">
             <a:extLst>
               <a:ext uri="{FF2B5EF4-FFF2-40B4-BE49-F238E27FC236}">
-                <a16:creationId xmlns:a16="http://schemas.microsoft.com/office/drawing/2014/main" id="{BC697E66-16D7-502F-51B8-2BEA9F30D931}"/>
+                <a16:creationId xmlns:a16="http://schemas.microsoft.com/office/drawing/2014/main" id="{A4539C13-2423-147C-0866-DEBCAC974935}"/>
               </a:ext>
             </a:extLst>
           </p:cNvPr>
@@ -1185,7 +1185,7 @@
           <a:bodyPr/>
           <a:lstStyle/>
           <a:p>
-            <a:fld id="{A61DDE1E-4C3B-4D59-9FEC-8728D5F53C1E}" type="slidenum">
+            <a:fld id="{6FF1264D-F81F-4C01-A269-B1807638C1E2}" type="slidenum">
               <a:rPr lang="zh-CN" altLang="en-US" smtClean="0"/>
               <a:t>‹#›</a:t>
             </a:fld>
@@ -1196,7 +1196,7 @@
     </p:spTree>
     <p:extLst>
       <p:ext uri="{BB962C8B-B14F-4D97-AF65-F5344CB8AC3E}">
-        <p14:creationId xmlns:p14="http://schemas.microsoft.com/office/powerpoint/2010/main" val="232264831"/>
+        <p14:creationId xmlns:p14="http://schemas.microsoft.com/office/powerpoint/2010/main" val="3667016072"/>
       </p:ext>
     </p:extLst>
   </p:cSld>
@@ -1228,7 +1228,7 @@
           <p:cNvPr id="2" name="标题 1">
             <a:extLst>
               <a:ext uri="{FF2B5EF4-FFF2-40B4-BE49-F238E27FC236}">
-                <a16:creationId xmlns:a16="http://schemas.microsoft.com/office/drawing/2014/main" id="{CEBF71B3-3AFC-F6F6-E6A4-C1E7215C165F}"/>
+                <a16:creationId xmlns:a16="http://schemas.microsoft.com/office/drawing/2014/main" id="{F1F53629-4F04-2567-9FC4-9A213861BFF6}"/>
               </a:ext>
             </a:extLst>
           </p:cNvPr>
@@ -1256,7 +1256,7 @@
           <p:cNvPr id="3" name="内容占位符 2">
             <a:extLst>
               <a:ext uri="{FF2B5EF4-FFF2-40B4-BE49-F238E27FC236}">
-                <a16:creationId xmlns:a16="http://schemas.microsoft.com/office/drawing/2014/main" id="{70B4C5AE-1907-6916-D5B9-C9548BED0D78}"/>
+                <a16:creationId xmlns:a16="http://schemas.microsoft.com/office/drawing/2014/main" id="{3E1B97E4-527E-BD4B-D3DA-641BB65802AE}"/>
               </a:ext>
             </a:extLst>
           </p:cNvPr>
@@ -1318,7 +1318,7 @@
           <p:cNvPr id="4" name="内容占位符 3">
             <a:extLst>
               <a:ext uri="{FF2B5EF4-FFF2-40B4-BE49-F238E27FC236}">
-                <a16:creationId xmlns:a16="http://schemas.microsoft.com/office/drawing/2014/main" id="{90E449B8-007D-F48E-67B1-698535ED8BAB}"/>
+                <a16:creationId xmlns:a16="http://schemas.microsoft.com/office/drawing/2014/main" id="{BD0A6826-8A2D-EEFB-80BC-65AF987E816D}"/>
               </a:ext>
             </a:extLst>
           </p:cNvPr>
@@ -1380,7 +1380,7 @@
           <p:cNvPr id="5" name="日期占位符 4">
             <a:extLst>
               <a:ext uri="{FF2B5EF4-FFF2-40B4-BE49-F238E27FC236}">
-                <a16:creationId xmlns:a16="http://schemas.microsoft.com/office/drawing/2014/main" id="{6B12B80F-B52C-D5E1-C988-BC5A85E3D368}"/>
+                <a16:creationId xmlns:a16="http://schemas.microsoft.com/office/drawing/2014/main" id="{9B31993D-D93B-A9C9-8D95-717EAE0DD4FD}"/>
               </a:ext>
             </a:extLst>
           </p:cNvPr>
@@ -1396,7 +1396,7 @@
           <a:bodyPr/>
           <a:lstStyle/>
           <a:p>
-            <a:fld id="{DC507946-410B-43FD-932E-DE82228E2367}" type="datetimeFigureOut">
+            <a:fld id="{CD799F4F-642F-409C-BBA6-ECE74249CD8F}" type="datetimeFigureOut">
               <a:rPr lang="zh-CN" altLang="en-US" smtClean="0"/>
               <a:t>2024/3/10</a:t>
             </a:fld>
@@ -1409,7 +1409,7 @@
           <p:cNvPr id="6" name="页脚占位符 5">
             <a:extLst>
               <a:ext uri="{FF2B5EF4-FFF2-40B4-BE49-F238E27FC236}">
-                <a16:creationId xmlns:a16="http://schemas.microsoft.com/office/drawing/2014/main" id="{782A6313-577A-9FF7-67C2-A8A9651DC455}"/>
+                <a16:creationId xmlns:a16="http://schemas.microsoft.com/office/drawing/2014/main" id="{6E0E3586-3020-DCCF-0F2D-86ABA7E4506D}"/>
               </a:ext>
             </a:extLst>
           </p:cNvPr>
@@ -1434,7 +1434,7 @@
           <p:cNvPr id="7" name="灯片编号占位符 6">
             <a:extLst>
               <a:ext uri="{FF2B5EF4-FFF2-40B4-BE49-F238E27FC236}">
-                <a16:creationId xmlns:a16="http://schemas.microsoft.com/office/drawing/2014/main" id="{D2C00970-1724-DC2E-A54B-D715813D3FF5}"/>
+                <a16:creationId xmlns:a16="http://schemas.microsoft.com/office/drawing/2014/main" id="{57815A96-BE68-5977-387B-AE68CC9BCC23}"/>
               </a:ext>
             </a:extLst>
           </p:cNvPr>
@@ -1450,7 +1450,7 @@
           <a:bodyPr/>
           <a:lstStyle/>
           <a:p>
-            <a:fld id="{A61DDE1E-4C3B-4D59-9FEC-8728D5F53C1E}" type="slidenum">
+            <a:fld id="{6FF1264D-F81F-4C01-A269-B1807638C1E2}" type="slidenum">
               <a:rPr lang="zh-CN" altLang="en-US" smtClean="0"/>
               <a:t>‹#›</a:t>
             </a:fld>
@@ -1461,7 +1461,7 @@
     </p:spTree>
     <p:extLst>
       <p:ext uri="{BB962C8B-B14F-4D97-AF65-F5344CB8AC3E}">
-        <p14:creationId xmlns:p14="http://schemas.microsoft.com/office/powerpoint/2010/main" val="3571696143"/>
+        <p14:creationId xmlns:p14="http://schemas.microsoft.com/office/powerpoint/2010/main" val="1303131126"/>
       </p:ext>
     </p:extLst>
   </p:cSld>
@@ -1493,7 +1493,7 @@
           <p:cNvPr id="2" name="标题 1">
             <a:extLst>
               <a:ext uri="{FF2B5EF4-FFF2-40B4-BE49-F238E27FC236}">
-                <a16:creationId xmlns:a16="http://schemas.microsoft.com/office/drawing/2014/main" id="{15D946FF-EBC5-DE70-9EE8-0F925FFA6A0F}"/>
+                <a16:creationId xmlns:a16="http://schemas.microsoft.com/office/drawing/2014/main" id="{6B704967-0F0E-D6C5-8DA9-D0E22B7F4331}"/>
               </a:ext>
             </a:extLst>
           </p:cNvPr>
@@ -1526,7 +1526,7 @@
           <p:cNvPr id="3" name="文本占位符 2">
             <a:extLst>
               <a:ext uri="{FF2B5EF4-FFF2-40B4-BE49-F238E27FC236}">
-                <a16:creationId xmlns:a16="http://schemas.microsoft.com/office/drawing/2014/main" id="{F3F5674E-7E77-2248-88B3-570CDA60651C}"/>
+                <a16:creationId xmlns:a16="http://schemas.microsoft.com/office/drawing/2014/main" id="{63F3E6EE-7D3B-56DE-BD74-AA068CB8E265}"/>
               </a:ext>
             </a:extLst>
           </p:cNvPr>
@@ -1597,7 +1597,7 @@
           <p:cNvPr id="4" name="内容占位符 3">
             <a:extLst>
               <a:ext uri="{FF2B5EF4-FFF2-40B4-BE49-F238E27FC236}">
-                <a16:creationId xmlns:a16="http://schemas.microsoft.com/office/drawing/2014/main" id="{F1D05AF6-CFD4-D13C-1E4F-1D0AD77D7A1C}"/>
+                <a16:creationId xmlns:a16="http://schemas.microsoft.com/office/drawing/2014/main" id="{A00F1DD3-02B3-C2B7-F4DE-EB640A830FD0}"/>
               </a:ext>
             </a:extLst>
           </p:cNvPr>
@@ -1659,7 +1659,7 @@
           <p:cNvPr id="5" name="文本占位符 4">
             <a:extLst>
               <a:ext uri="{FF2B5EF4-FFF2-40B4-BE49-F238E27FC236}">
-                <a16:creationId xmlns:a16="http://schemas.microsoft.com/office/drawing/2014/main" id="{3F1163DC-3ECF-D906-2356-0E5933C6DD00}"/>
+                <a16:creationId xmlns:a16="http://schemas.microsoft.com/office/drawing/2014/main" id="{67940D53-A847-4041-BB8A-87E092FB9197}"/>
               </a:ext>
             </a:extLst>
           </p:cNvPr>
@@ -1730,7 +1730,7 @@
           <p:cNvPr id="6" name="内容占位符 5">
             <a:extLst>
               <a:ext uri="{FF2B5EF4-FFF2-40B4-BE49-F238E27FC236}">
-                <a16:creationId xmlns:a16="http://schemas.microsoft.com/office/drawing/2014/main" id="{9069171D-BF78-C4C6-1251-98E83E6CB8D0}"/>
+                <a16:creationId xmlns:a16="http://schemas.microsoft.com/office/drawing/2014/main" id="{73F86FC3-0C3F-D8A0-5F3D-93EA5F25D0DB}"/>
               </a:ext>
             </a:extLst>
           </p:cNvPr>
@@ -1792,7 +1792,7 @@
           <p:cNvPr id="7" name="日期占位符 6">
             <a:extLst>
               <a:ext uri="{FF2B5EF4-FFF2-40B4-BE49-F238E27FC236}">
-                <a16:creationId xmlns:a16="http://schemas.microsoft.com/office/drawing/2014/main" id="{DCA2684B-4523-21B5-3C74-107514157F57}"/>
+                <a16:creationId xmlns:a16="http://schemas.microsoft.com/office/drawing/2014/main" id="{01E9DC30-23F4-327A-A101-16DAA72A2FDB}"/>
               </a:ext>
             </a:extLst>
           </p:cNvPr>
@@ -1808,7 +1808,7 @@
           <a:bodyPr/>
           <a:lstStyle/>
           <a:p>
-            <a:fld id="{DC507946-410B-43FD-932E-DE82228E2367}" type="datetimeFigureOut">
+            <a:fld id="{CD799F4F-642F-409C-BBA6-ECE74249CD8F}" type="datetimeFigureOut">
               <a:rPr lang="zh-CN" altLang="en-US" smtClean="0"/>
               <a:t>2024/3/10</a:t>
             </a:fld>
@@ -1821,7 +1821,7 @@
           <p:cNvPr id="8" name="页脚占位符 7">
             <a:extLst>
               <a:ext uri="{FF2B5EF4-FFF2-40B4-BE49-F238E27FC236}">
-                <a16:creationId xmlns:a16="http://schemas.microsoft.com/office/drawing/2014/main" id="{7AD11C5B-3060-4F01-475A-FDD524B90998}"/>
+                <a16:creationId xmlns:a16="http://schemas.microsoft.com/office/drawing/2014/main" id="{3C15CF6A-4B34-DB9F-D970-81B1367E3899}"/>
               </a:ext>
             </a:extLst>
           </p:cNvPr>
@@ -1846,7 +1846,7 @@
           <p:cNvPr id="9" name="灯片编号占位符 8">
             <a:extLst>
               <a:ext uri="{FF2B5EF4-FFF2-40B4-BE49-F238E27FC236}">
-                <a16:creationId xmlns:a16="http://schemas.microsoft.com/office/drawing/2014/main" id="{54C596DE-76B2-AAC0-150A-514648ED60C0}"/>
+                <a16:creationId xmlns:a16="http://schemas.microsoft.com/office/drawing/2014/main" id="{4916ECDA-60D4-5CF7-3651-973CEFA080D4}"/>
               </a:ext>
             </a:extLst>
           </p:cNvPr>
@@ -1862,7 +1862,7 @@
           <a:bodyPr/>
           <a:lstStyle/>
           <a:p>
-            <a:fld id="{A61DDE1E-4C3B-4D59-9FEC-8728D5F53C1E}" type="slidenum">
+            <a:fld id="{6FF1264D-F81F-4C01-A269-B1807638C1E2}" type="slidenum">
               <a:rPr lang="zh-CN" altLang="en-US" smtClean="0"/>
               <a:t>‹#›</a:t>
             </a:fld>
@@ -1873,7 +1873,7 @@
     </p:spTree>
     <p:extLst>
       <p:ext uri="{BB962C8B-B14F-4D97-AF65-F5344CB8AC3E}">
-        <p14:creationId xmlns:p14="http://schemas.microsoft.com/office/powerpoint/2010/main" val="1113038042"/>
+        <p14:creationId xmlns:p14="http://schemas.microsoft.com/office/powerpoint/2010/main" val="1343472670"/>
       </p:ext>
     </p:extLst>
   </p:cSld>
@@ -1905,7 +1905,7 @@
           <p:cNvPr id="2" name="标题 1">
             <a:extLst>
               <a:ext uri="{FF2B5EF4-FFF2-40B4-BE49-F238E27FC236}">
-                <a16:creationId xmlns:a16="http://schemas.microsoft.com/office/drawing/2014/main" id="{1D1CAE12-F09B-A371-3FEB-4BE9B05284CA}"/>
+                <a16:creationId xmlns:a16="http://schemas.microsoft.com/office/drawing/2014/main" id="{26707D6B-E431-0C6E-462C-F28A567A7B05}"/>
               </a:ext>
             </a:extLst>
           </p:cNvPr>
@@ -1933,7 +1933,7 @@
           <p:cNvPr id="3" name="日期占位符 2">
             <a:extLst>
               <a:ext uri="{FF2B5EF4-FFF2-40B4-BE49-F238E27FC236}">
-                <a16:creationId xmlns:a16="http://schemas.microsoft.com/office/drawing/2014/main" id="{27527518-A3C6-BB82-013D-1642280A4C68}"/>
+                <a16:creationId xmlns:a16="http://schemas.microsoft.com/office/drawing/2014/main" id="{1D6AFD43-F318-0F85-AAA4-027DC5258877}"/>
               </a:ext>
             </a:extLst>
           </p:cNvPr>
@@ -1949,7 +1949,7 @@
           <a:bodyPr/>
           <a:lstStyle/>
           <a:p>
-            <a:fld id="{DC507946-410B-43FD-932E-DE82228E2367}" type="datetimeFigureOut">
+            <a:fld id="{CD799F4F-642F-409C-BBA6-ECE74249CD8F}" type="datetimeFigureOut">
               <a:rPr lang="zh-CN" altLang="en-US" smtClean="0"/>
               <a:t>2024/3/10</a:t>
             </a:fld>
@@ -1962,7 +1962,7 @@
           <p:cNvPr id="4" name="页脚占位符 3">
             <a:extLst>
               <a:ext uri="{FF2B5EF4-FFF2-40B4-BE49-F238E27FC236}">
-                <a16:creationId xmlns:a16="http://schemas.microsoft.com/office/drawing/2014/main" id="{F5E1A43D-8F6D-A674-3EF1-B57FA3289A29}"/>
+                <a16:creationId xmlns:a16="http://schemas.microsoft.com/office/drawing/2014/main" id="{95B3077F-F49E-404E-125A-FA2D5D4AAEF9}"/>
               </a:ext>
             </a:extLst>
           </p:cNvPr>
@@ -1987,7 +1987,7 @@
           <p:cNvPr id="5" name="灯片编号占位符 4">
             <a:extLst>
               <a:ext uri="{FF2B5EF4-FFF2-40B4-BE49-F238E27FC236}">
-                <a16:creationId xmlns:a16="http://schemas.microsoft.com/office/drawing/2014/main" id="{A24EAC55-DB02-7A71-7B68-42EED61FCA8F}"/>
+                <a16:creationId xmlns:a16="http://schemas.microsoft.com/office/drawing/2014/main" id="{73AD4257-249D-ED83-F694-AA0AD6B25CD1}"/>
               </a:ext>
             </a:extLst>
           </p:cNvPr>
@@ -2003,7 +2003,7 @@
           <a:bodyPr/>
           <a:lstStyle/>
           <a:p>
-            <a:fld id="{A61DDE1E-4C3B-4D59-9FEC-8728D5F53C1E}" type="slidenum">
+            <a:fld id="{6FF1264D-F81F-4C01-A269-B1807638C1E2}" type="slidenum">
               <a:rPr lang="zh-CN" altLang="en-US" smtClean="0"/>
               <a:t>‹#›</a:t>
             </a:fld>
@@ -2014,7 +2014,7 @@
     </p:spTree>
     <p:extLst>
       <p:ext uri="{BB962C8B-B14F-4D97-AF65-F5344CB8AC3E}">
-        <p14:creationId xmlns:p14="http://schemas.microsoft.com/office/powerpoint/2010/main" val="1726285931"/>
+        <p14:creationId xmlns:p14="http://schemas.microsoft.com/office/powerpoint/2010/main" val="666658098"/>
       </p:ext>
     </p:extLst>
   </p:cSld>
@@ -2046,7 +2046,7 @@
           <p:cNvPr id="2" name="日期占位符 1">
             <a:extLst>
               <a:ext uri="{FF2B5EF4-FFF2-40B4-BE49-F238E27FC236}">
-                <a16:creationId xmlns:a16="http://schemas.microsoft.com/office/drawing/2014/main" id="{FB63C2D9-9521-4AB8-D306-9ABC66369450}"/>
+                <a16:creationId xmlns:a16="http://schemas.microsoft.com/office/drawing/2014/main" id="{4E7C6971-A10F-1016-AD50-95CD5B5A71B1}"/>
               </a:ext>
             </a:extLst>
           </p:cNvPr>
@@ -2062,7 +2062,7 @@
           <a:bodyPr/>
           <a:lstStyle/>
           <a:p>
-            <a:fld id="{DC507946-410B-43FD-932E-DE82228E2367}" type="datetimeFigureOut">
+            <a:fld id="{CD799F4F-642F-409C-BBA6-ECE74249CD8F}" type="datetimeFigureOut">
               <a:rPr lang="zh-CN" altLang="en-US" smtClean="0"/>
               <a:t>2024/3/10</a:t>
             </a:fld>
@@ -2075,7 +2075,7 @@
           <p:cNvPr id="3" name="页脚占位符 2">
             <a:extLst>
               <a:ext uri="{FF2B5EF4-FFF2-40B4-BE49-F238E27FC236}">
-                <a16:creationId xmlns:a16="http://schemas.microsoft.com/office/drawing/2014/main" id="{04B0D26E-60E9-44E1-6E82-B3FD49FA4DC6}"/>
+                <a16:creationId xmlns:a16="http://schemas.microsoft.com/office/drawing/2014/main" id="{26D2598B-803C-D52E-C273-6E38F332B2E1}"/>
               </a:ext>
             </a:extLst>
           </p:cNvPr>
@@ -2100,7 +2100,7 @@
           <p:cNvPr id="4" name="灯片编号占位符 3">
             <a:extLst>
               <a:ext uri="{FF2B5EF4-FFF2-40B4-BE49-F238E27FC236}">
-                <a16:creationId xmlns:a16="http://schemas.microsoft.com/office/drawing/2014/main" id="{52BCB214-37DC-7D5F-20AF-B7F99E2D0DFB}"/>
+                <a16:creationId xmlns:a16="http://schemas.microsoft.com/office/drawing/2014/main" id="{0A380043-C318-2F79-C5B1-B45E2B46580A}"/>
               </a:ext>
             </a:extLst>
           </p:cNvPr>
@@ -2116,7 +2116,7 @@
           <a:bodyPr/>
           <a:lstStyle/>
           <a:p>
-            <a:fld id="{A61DDE1E-4C3B-4D59-9FEC-8728D5F53C1E}" type="slidenum">
+            <a:fld id="{6FF1264D-F81F-4C01-A269-B1807638C1E2}" type="slidenum">
               <a:rPr lang="zh-CN" altLang="en-US" smtClean="0"/>
               <a:t>‹#›</a:t>
             </a:fld>
@@ -2127,7 +2127,7 @@
     </p:spTree>
     <p:extLst>
       <p:ext uri="{BB962C8B-B14F-4D97-AF65-F5344CB8AC3E}">
-        <p14:creationId xmlns:p14="http://schemas.microsoft.com/office/powerpoint/2010/main" val="3836072826"/>
+        <p14:creationId xmlns:p14="http://schemas.microsoft.com/office/powerpoint/2010/main" val="2676272640"/>
       </p:ext>
     </p:extLst>
   </p:cSld>
@@ -2159,7 +2159,7 @@
           <p:cNvPr id="2" name="标题 1">
             <a:extLst>
               <a:ext uri="{FF2B5EF4-FFF2-40B4-BE49-F238E27FC236}">
-                <a16:creationId xmlns:a16="http://schemas.microsoft.com/office/drawing/2014/main" id="{7D26B86B-1736-3B0C-D804-CC7B74A4BF3D}"/>
+                <a16:creationId xmlns:a16="http://schemas.microsoft.com/office/drawing/2014/main" id="{BDCB16BD-982E-633D-97DB-DDAD6F6AD4E7}"/>
               </a:ext>
             </a:extLst>
           </p:cNvPr>
@@ -2196,7 +2196,7 @@
           <p:cNvPr id="3" name="内容占位符 2">
             <a:extLst>
               <a:ext uri="{FF2B5EF4-FFF2-40B4-BE49-F238E27FC236}">
-                <a16:creationId xmlns:a16="http://schemas.microsoft.com/office/drawing/2014/main" id="{F8CC1348-CAB0-8012-BC0D-47EF6FB7A853}"/>
+                <a16:creationId xmlns:a16="http://schemas.microsoft.com/office/drawing/2014/main" id="{CA259022-715F-DD6A-BADF-910CD9954C8C}"/>
               </a:ext>
             </a:extLst>
           </p:cNvPr>
@@ -2286,7 +2286,7 @@
           <p:cNvPr id="4" name="文本占位符 3">
             <a:extLst>
               <a:ext uri="{FF2B5EF4-FFF2-40B4-BE49-F238E27FC236}">
-                <a16:creationId xmlns:a16="http://schemas.microsoft.com/office/drawing/2014/main" id="{3D5C98C8-DFA4-C1A7-DEE9-52814435E0BC}"/>
+                <a16:creationId xmlns:a16="http://schemas.microsoft.com/office/drawing/2014/main" id="{1B0E0D68-F863-2275-BAD5-A7E12A2FD486}"/>
               </a:ext>
             </a:extLst>
           </p:cNvPr>
@@ -2357,7 +2357,7 @@
           <p:cNvPr id="5" name="日期占位符 4">
             <a:extLst>
               <a:ext uri="{FF2B5EF4-FFF2-40B4-BE49-F238E27FC236}">
-                <a16:creationId xmlns:a16="http://schemas.microsoft.com/office/drawing/2014/main" id="{8BBFDEA7-2DFC-2830-3C22-F37706E76314}"/>
+                <a16:creationId xmlns:a16="http://schemas.microsoft.com/office/drawing/2014/main" id="{9813FD7B-A0C5-8549-C1C0-B22BB11D9BD5}"/>
               </a:ext>
             </a:extLst>
           </p:cNvPr>
@@ -2373,7 +2373,7 @@
           <a:bodyPr/>
           <a:lstStyle/>
           <a:p>
-            <a:fld id="{DC507946-410B-43FD-932E-DE82228E2367}" type="datetimeFigureOut">
+            <a:fld id="{CD799F4F-642F-409C-BBA6-ECE74249CD8F}" type="datetimeFigureOut">
               <a:rPr lang="zh-CN" altLang="en-US" smtClean="0"/>
               <a:t>2024/3/10</a:t>
             </a:fld>
@@ -2386,7 +2386,7 @@
           <p:cNvPr id="6" name="页脚占位符 5">
             <a:extLst>
               <a:ext uri="{FF2B5EF4-FFF2-40B4-BE49-F238E27FC236}">
-                <a16:creationId xmlns:a16="http://schemas.microsoft.com/office/drawing/2014/main" id="{2899EE50-8178-CF9A-F30C-4FD363A11955}"/>
+                <a16:creationId xmlns:a16="http://schemas.microsoft.com/office/drawing/2014/main" id="{20EEF5A6-373F-E088-668E-F66D0C7C1C54}"/>
               </a:ext>
             </a:extLst>
           </p:cNvPr>
@@ -2411,7 +2411,7 @@
           <p:cNvPr id="7" name="灯片编号占位符 6">
             <a:extLst>
               <a:ext uri="{FF2B5EF4-FFF2-40B4-BE49-F238E27FC236}">
-                <a16:creationId xmlns:a16="http://schemas.microsoft.com/office/drawing/2014/main" id="{6848692A-DB12-9BBA-3697-09850DCD4475}"/>
+                <a16:creationId xmlns:a16="http://schemas.microsoft.com/office/drawing/2014/main" id="{4DE5E3CA-9BA5-A18B-35F5-8789C7D75CC6}"/>
               </a:ext>
             </a:extLst>
           </p:cNvPr>
@@ -2427,7 +2427,7 @@
           <a:bodyPr/>
           <a:lstStyle/>
           <a:p>
-            <a:fld id="{A61DDE1E-4C3B-4D59-9FEC-8728D5F53C1E}" type="slidenum">
+            <a:fld id="{6FF1264D-F81F-4C01-A269-B1807638C1E2}" type="slidenum">
               <a:rPr lang="zh-CN" altLang="en-US" smtClean="0"/>
               <a:t>‹#›</a:t>
             </a:fld>
@@ -2438,7 +2438,7 @@
     </p:spTree>
     <p:extLst>
       <p:ext uri="{BB962C8B-B14F-4D97-AF65-F5344CB8AC3E}">
-        <p14:creationId xmlns:p14="http://schemas.microsoft.com/office/powerpoint/2010/main" val="3213067310"/>
+        <p14:creationId xmlns:p14="http://schemas.microsoft.com/office/powerpoint/2010/main" val="4181811890"/>
       </p:ext>
     </p:extLst>
   </p:cSld>
@@ -2470,7 +2470,7 @@
           <p:cNvPr id="2" name="标题 1">
             <a:extLst>
               <a:ext uri="{FF2B5EF4-FFF2-40B4-BE49-F238E27FC236}">
-                <a16:creationId xmlns:a16="http://schemas.microsoft.com/office/drawing/2014/main" id="{3C0C0288-5A21-D583-D7E5-BFDE46F0ECE7}"/>
+                <a16:creationId xmlns:a16="http://schemas.microsoft.com/office/drawing/2014/main" id="{D71DCD1F-8D17-8A70-CEC5-A19E9644AB48}"/>
               </a:ext>
             </a:extLst>
           </p:cNvPr>
@@ -2507,7 +2507,7 @@
           <p:cNvPr id="3" name="图片占位符 2">
             <a:extLst>
               <a:ext uri="{FF2B5EF4-FFF2-40B4-BE49-F238E27FC236}">
-                <a16:creationId xmlns:a16="http://schemas.microsoft.com/office/drawing/2014/main" id="{329B3720-8040-ED40-198D-6A31FC253E09}"/>
+                <a16:creationId xmlns:a16="http://schemas.microsoft.com/office/drawing/2014/main" id="{CA47DD13-D758-4A5C-D206-4D255BE6F970}"/>
               </a:ext>
             </a:extLst>
           </p:cNvPr>
@@ -2574,7 +2574,7 @@
           <p:cNvPr id="4" name="文本占位符 3">
             <a:extLst>
               <a:ext uri="{FF2B5EF4-FFF2-40B4-BE49-F238E27FC236}">
-                <a16:creationId xmlns:a16="http://schemas.microsoft.com/office/drawing/2014/main" id="{918BFF74-7157-59BB-17DA-E8D8FDB5AE54}"/>
+                <a16:creationId xmlns:a16="http://schemas.microsoft.com/office/drawing/2014/main" id="{74C1487C-3C42-CA69-C5AD-2B6B8AB2862E}"/>
               </a:ext>
             </a:extLst>
           </p:cNvPr>
@@ -2645,7 +2645,7 @@
           <p:cNvPr id="5" name="日期占位符 4">
             <a:extLst>
               <a:ext uri="{FF2B5EF4-FFF2-40B4-BE49-F238E27FC236}">
-                <a16:creationId xmlns:a16="http://schemas.microsoft.com/office/drawing/2014/main" id="{F9F9A815-E0CD-D295-0B94-622D1F1EDE38}"/>
+                <a16:creationId xmlns:a16="http://schemas.microsoft.com/office/drawing/2014/main" id="{4D2AD2DD-FD07-24FB-3618-30A9F8A9A340}"/>
               </a:ext>
             </a:extLst>
           </p:cNvPr>
@@ -2661,7 +2661,7 @@
           <a:bodyPr/>
           <a:lstStyle/>
           <a:p>
-            <a:fld id="{DC507946-410B-43FD-932E-DE82228E2367}" type="datetimeFigureOut">
+            <a:fld id="{CD799F4F-642F-409C-BBA6-ECE74249CD8F}" type="datetimeFigureOut">
               <a:rPr lang="zh-CN" altLang="en-US" smtClean="0"/>
               <a:t>2024/3/10</a:t>
             </a:fld>
@@ -2674,7 +2674,7 @@
           <p:cNvPr id="6" name="页脚占位符 5">
             <a:extLst>
               <a:ext uri="{FF2B5EF4-FFF2-40B4-BE49-F238E27FC236}">
-                <a16:creationId xmlns:a16="http://schemas.microsoft.com/office/drawing/2014/main" id="{78A41EE8-3644-F324-9295-DBABFAA31673}"/>
+                <a16:creationId xmlns:a16="http://schemas.microsoft.com/office/drawing/2014/main" id="{B31D3B4F-40E3-A6AB-A131-5B7F4FDD7882}"/>
               </a:ext>
             </a:extLst>
           </p:cNvPr>
@@ -2699,7 +2699,7 @@
           <p:cNvPr id="7" name="灯片编号占位符 6">
             <a:extLst>
               <a:ext uri="{FF2B5EF4-FFF2-40B4-BE49-F238E27FC236}">
-                <a16:creationId xmlns:a16="http://schemas.microsoft.com/office/drawing/2014/main" id="{8EC9EC2F-EA8D-D8D8-D489-BBB1AE7CBCC7}"/>
+                <a16:creationId xmlns:a16="http://schemas.microsoft.com/office/drawing/2014/main" id="{008D5627-40AF-6AEB-9AB0-52A8CD29D781}"/>
               </a:ext>
             </a:extLst>
           </p:cNvPr>
@@ -2715,7 +2715,7 @@
           <a:bodyPr/>
           <a:lstStyle/>
           <a:p>
-            <a:fld id="{A61DDE1E-4C3B-4D59-9FEC-8728D5F53C1E}" type="slidenum">
+            <a:fld id="{6FF1264D-F81F-4C01-A269-B1807638C1E2}" type="slidenum">
               <a:rPr lang="zh-CN" altLang="en-US" smtClean="0"/>
               <a:t>‹#›</a:t>
             </a:fld>
@@ -2726,7 +2726,7 @@
     </p:spTree>
     <p:extLst>
       <p:ext uri="{BB962C8B-B14F-4D97-AF65-F5344CB8AC3E}">
-        <p14:creationId xmlns:p14="http://schemas.microsoft.com/office/powerpoint/2010/main" val="1650179765"/>
+        <p14:creationId xmlns:p14="http://schemas.microsoft.com/office/powerpoint/2010/main" val="1228451411"/>
       </p:ext>
     </p:extLst>
   </p:cSld>
@@ -2763,7 +2763,7 @@
           <p:cNvPr id="2" name="标题占位符 1">
             <a:extLst>
               <a:ext uri="{FF2B5EF4-FFF2-40B4-BE49-F238E27FC236}">
-                <a16:creationId xmlns:a16="http://schemas.microsoft.com/office/drawing/2014/main" id="{1A3B45E1-1C5A-259D-DCBD-C916F8CE391B}"/>
+                <a16:creationId xmlns:a16="http://schemas.microsoft.com/office/drawing/2014/main" id="{93530994-28BC-62CB-E648-C6B24ECCAACF}"/>
               </a:ext>
             </a:extLst>
           </p:cNvPr>
@@ -2801,7 +2801,7 @@
           <p:cNvPr id="3" name="文本占位符 2">
             <a:extLst>
               <a:ext uri="{FF2B5EF4-FFF2-40B4-BE49-F238E27FC236}">
-                <a16:creationId xmlns:a16="http://schemas.microsoft.com/office/drawing/2014/main" id="{7827379D-C89A-0BDF-8ABC-39C1DB8D3CA1}"/>
+                <a16:creationId xmlns:a16="http://schemas.microsoft.com/office/drawing/2014/main" id="{495010D6-19A8-AB80-0FA9-B5C19637187E}"/>
               </a:ext>
             </a:extLst>
           </p:cNvPr>
@@ -2868,7 +2868,7 @@
           <p:cNvPr id="4" name="日期占位符 3">
             <a:extLst>
               <a:ext uri="{FF2B5EF4-FFF2-40B4-BE49-F238E27FC236}">
-                <a16:creationId xmlns:a16="http://schemas.microsoft.com/office/drawing/2014/main" id="{EA0280F4-D891-FE43-917B-351603EE6EB5}"/>
+                <a16:creationId xmlns:a16="http://schemas.microsoft.com/office/drawing/2014/main" id="{F054E747-F5BC-FE44-0E60-2683F7B2177B}"/>
               </a:ext>
             </a:extLst>
           </p:cNvPr>
@@ -2902,7 +2902,7 @@
             </a:lvl1pPr>
           </a:lstStyle>
           <a:p>
-            <a:fld id="{DC507946-410B-43FD-932E-DE82228E2367}" type="datetimeFigureOut">
+            <a:fld id="{CD799F4F-642F-409C-BBA6-ECE74249CD8F}" type="datetimeFigureOut">
               <a:rPr lang="zh-CN" altLang="en-US" smtClean="0"/>
               <a:t>2024/3/10</a:t>
             </a:fld>
@@ -2915,7 +2915,7 @@
           <p:cNvPr id="5" name="页脚占位符 4">
             <a:extLst>
               <a:ext uri="{FF2B5EF4-FFF2-40B4-BE49-F238E27FC236}">
-                <a16:creationId xmlns:a16="http://schemas.microsoft.com/office/drawing/2014/main" id="{03F063F6-B139-B9B3-EB1E-EAE0C637D034}"/>
+                <a16:creationId xmlns:a16="http://schemas.microsoft.com/office/drawing/2014/main" id="{DD464462-F9B6-D9CD-1FD9-BBE1D5BD91B3}"/>
               </a:ext>
             </a:extLst>
           </p:cNvPr>
@@ -2958,7 +2958,7 @@
           <p:cNvPr id="6" name="灯片编号占位符 5">
             <a:extLst>
               <a:ext uri="{FF2B5EF4-FFF2-40B4-BE49-F238E27FC236}">
-                <a16:creationId xmlns:a16="http://schemas.microsoft.com/office/drawing/2014/main" id="{8CC8B4F3-7B33-EDC9-676F-AEEA66D1DD16}"/>
+                <a16:creationId xmlns:a16="http://schemas.microsoft.com/office/drawing/2014/main" id="{A2FD41EE-8CE1-0817-8351-525C018224EE}"/>
               </a:ext>
             </a:extLst>
           </p:cNvPr>
@@ -2992,7 +2992,7 @@
             </a:lvl1pPr>
           </a:lstStyle>
           <a:p>
-            <a:fld id="{A61DDE1E-4C3B-4D59-9FEC-8728D5F53C1E}" type="slidenum">
+            <a:fld id="{6FF1264D-F81F-4C01-A269-B1807638C1E2}" type="slidenum">
               <a:rPr lang="zh-CN" altLang="en-US" smtClean="0"/>
               <a:t>‹#›</a:t>
             </a:fld>
@@ -3003,7 +3003,7 @@
     </p:spTree>
     <p:extLst>
       <p:ext uri="{BB962C8B-B14F-4D97-AF65-F5344CB8AC3E}">
-        <p14:creationId xmlns:p14="http://schemas.microsoft.com/office/powerpoint/2010/main" val="1896693289"/>
+        <p14:creationId xmlns:p14="http://schemas.microsoft.com/office/powerpoint/2010/main" val="1674277570"/>
       </p:ext>
     </p:extLst>
   </p:cSld>
